--- a/DashCam_v1.pptx
+++ b/DashCam_v1.pptx
@@ -4687,7 +4687,7 @@
         <p:spPr>
           <a:xfrm>
             <a:off x="325604" y="3145801"/>
-            <a:ext cx="2709396" cy="830997"/>
+            <a:ext cx="6101350" cy="1815882"/>
           </a:xfrm>
           <a:prstGeom prst="rect">
             <a:avLst/>
@@ -4700,7 +4700,7 @@
           <a:lstStyle/>
           <a:p>
             <a:r>
-              <a:rPr lang="ko-KR" altLang="en-US" sz="1200" b="1" dirty="0">
+              <a:rPr lang="ko-KR" altLang="en-US" sz="2800" b="1" dirty="0">
                 <a:gradFill>
                   <a:gsLst>
                     <a:gs pos="0">
@@ -4717,7 +4717,7 @@
               </a:rPr>
               <a:t>비트교육센터</a:t>
             </a:r>
-            <a:endParaRPr lang="en-US" altLang="ko-KR" sz="1200" b="1" dirty="0">
+            <a:endParaRPr lang="en-US" altLang="ko-KR" sz="2800" b="1" dirty="0">
               <a:gradFill>
                 <a:gsLst>
                   <a:gs pos="0">
@@ -4735,7 +4735,7 @@
           </a:p>
           <a:p>
             <a:r>
-              <a:rPr lang="ko-KR" altLang="en-US" sz="1200" b="1" dirty="0">
+              <a:rPr lang="ko-KR" altLang="en-US" sz="2800" b="1" dirty="0">
                 <a:gradFill>
                   <a:gsLst>
                     <a:gs pos="0">
@@ -4752,7 +4752,7 @@
               </a:rPr>
               <a:t>딥러닝 기반 영상인식 개발 전문가 과정</a:t>
             </a:r>
-            <a:endParaRPr lang="en-US" altLang="ko-KR" sz="1200" b="1" dirty="0">
+            <a:endParaRPr lang="en-US" altLang="ko-KR" sz="2800" b="1" dirty="0">
               <a:gradFill>
                 <a:gsLst>
                   <a:gs pos="0">
@@ -4770,7 +4770,7 @@
           </a:p>
           <a:p>
             <a:r>
-              <a:rPr lang="ko-KR" altLang="en-US" sz="1200" b="1" dirty="0">
+              <a:rPr lang="ko-KR" altLang="en-US" sz="2800" b="1" dirty="0">
                 <a:gradFill>
                   <a:gsLst>
                     <a:gs pos="0">
@@ -4787,7 +4787,7 @@
               </a:rPr>
               <a:t>김성준</a:t>
             </a:r>
-            <a:endParaRPr lang="en-US" altLang="ko-KR" sz="1200" b="1" dirty="0">
+            <a:endParaRPr lang="en-US" altLang="ko-KR" sz="2800" b="1" dirty="0">
               <a:gradFill>
                 <a:gsLst>
                   <a:gs pos="0">
@@ -4805,7 +4805,7 @@
           </a:p>
           <a:p>
             <a:r>
-              <a:rPr lang="ko-KR" altLang="en-US" sz="1200" b="1" dirty="0">
+              <a:rPr lang="ko-KR" altLang="en-US" sz="2800" b="1" dirty="0">
                 <a:gradFill>
                   <a:gsLst>
                     <a:gs pos="0">
@@ -6399,7 +6399,7 @@
         <p:spPr>
           <a:xfrm>
             <a:off x="2015716" y="1420724"/>
-            <a:ext cx="6187852" cy="4223272"/>
+            <a:ext cx="6187852" cy="4813882"/>
           </a:xfrm>
           <a:prstGeom prst="rect">
             <a:avLst/>
@@ -6413,7 +6413,7 @@
           <a:lstStyle/>
           <a:p>
             <a:r>
-              <a:rPr lang="en-US" altLang="ko-KR" sz="1400" b="1" spc="-80" dirty="0">
+              <a:rPr lang="en-US" altLang="ko-KR" sz="1600" b="1" spc="-80" dirty="0">
                 <a:solidFill>
                   <a:srgbClr val="FF873C"/>
                 </a:solidFill>
@@ -6423,7 +6423,7 @@
               <a:t>1. Jetson TX2 onboard camera</a:t>
             </a:r>
             <a:r>
-              <a:rPr lang="ko-KR" altLang="en-US" sz="1400" b="1" spc="-80" dirty="0">
+              <a:rPr lang="ko-KR" altLang="en-US" sz="1600" b="1" spc="-80" dirty="0">
                 <a:solidFill>
                   <a:srgbClr val="FF873C"/>
                 </a:solidFill>
@@ -6432,7 +6432,7 @@
               </a:rPr>
               <a:t>로 동영상 촬영</a:t>
             </a:r>
-            <a:endParaRPr lang="en-US" altLang="ko-KR" sz="1400" b="1" spc="-80" dirty="0">
+            <a:endParaRPr lang="en-US" altLang="ko-KR" sz="1600" b="1" spc="-80" dirty="0">
               <a:solidFill>
                 <a:srgbClr val="FF873C"/>
               </a:solidFill>
@@ -6442,7 +6442,7 @@
           </a:p>
           <a:p>
             <a:r>
-              <a:rPr lang="en-US" altLang="ko-KR" sz="1400" spc="-20" dirty="0">
+              <a:rPr lang="en-US" altLang="ko-KR" sz="1600" spc="-20" dirty="0">
                 <a:gradFill>
                   <a:gsLst>
                     <a:gs pos="0">
@@ -6460,7 +6460,7 @@
               <a:t>Pipeline </a:t>
             </a:r>
             <a:r>
-              <a:rPr lang="ko-KR" altLang="en-US" sz="1400" spc="-20" dirty="0">
+              <a:rPr lang="ko-KR" altLang="en-US" sz="1600" spc="-20" dirty="0">
                 <a:gradFill>
                   <a:gsLst>
                     <a:gs pos="0">
@@ -6478,7 +6478,7 @@
               <a:t>설정</a:t>
             </a:r>
             <a:r>
-              <a:rPr lang="en-US" altLang="ko-KR" sz="1400" spc="-20" dirty="0">
+              <a:rPr lang="en-US" altLang="ko-KR" sz="1600" spc="-20" dirty="0">
                 <a:gradFill>
                   <a:gsLst>
                     <a:gs pos="0">
@@ -6496,7 +6496,7 @@
               <a:t>, </a:t>
             </a:r>
             <a:r>
-              <a:rPr lang="ko-KR" altLang="en-US" sz="1400" spc="-20" dirty="0">
+              <a:rPr lang="ko-KR" altLang="en-US" sz="1600" spc="-20" dirty="0">
                 <a:gradFill>
                   <a:gsLst>
                     <a:gs pos="0">
@@ -6514,7 +6514,7 @@
               <a:t>화면 크기</a:t>
             </a:r>
             <a:r>
-              <a:rPr lang="en-US" altLang="ko-KR" sz="1400" spc="-20" dirty="0">
+              <a:rPr lang="en-US" altLang="ko-KR" sz="1600" spc="-20" dirty="0">
                 <a:gradFill>
                   <a:gsLst>
                     <a:gs pos="0">
@@ -6532,7 +6532,7 @@
               <a:t>, FPS </a:t>
             </a:r>
             <a:r>
-              <a:rPr lang="ko-KR" altLang="en-US" sz="1400" spc="-20" dirty="0">
+              <a:rPr lang="ko-KR" altLang="en-US" sz="1600" spc="-20" dirty="0">
                 <a:gradFill>
                   <a:gsLst>
                     <a:gs pos="0">
@@ -6549,7 +6549,7 @@
               </a:rPr>
               <a:t>설정</a:t>
             </a:r>
-            <a:endParaRPr lang="en-US" altLang="ko-KR" sz="1400" spc="-20" dirty="0">
+            <a:endParaRPr lang="en-US" altLang="ko-KR" sz="1600" spc="-20" dirty="0">
               <a:gradFill>
                 <a:gsLst>
                   <a:gs pos="0">
@@ -6567,7 +6567,7 @@
           </a:p>
           <a:p>
             <a:r>
-              <a:rPr lang="en-US" altLang="ko-KR" sz="1400" spc="-20" dirty="0" err="1">
+              <a:rPr lang="en-US" altLang="ko-KR" sz="1600" spc="-20" dirty="0" err="1">
                 <a:gradFill>
                   <a:gsLst>
                     <a:gs pos="0">
@@ -6585,7 +6585,7 @@
               <a:t>VideoCaputre</a:t>
             </a:r>
             <a:r>
-              <a:rPr lang="en-US" altLang="ko-KR" sz="1400" spc="-20" dirty="0">
+              <a:rPr lang="en-US" altLang="ko-KR" sz="1600" spc="-20" dirty="0">
                 <a:gradFill>
                   <a:gsLst>
                     <a:gs pos="0">
@@ -6603,7 +6603,7 @@
               <a:t> </a:t>
             </a:r>
             <a:r>
-              <a:rPr lang="ko-KR" altLang="en-US" sz="1400" spc="-20" dirty="0">
+              <a:rPr lang="ko-KR" altLang="en-US" sz="1600" spc="-20" dirty="0">
                 <a:gradFill>
                   <a:gsLst>
                     <a:gs pos="0">
@@ -6620,7 +6620,7 @@
               </a:rPr>
               <a:t>함수 이용</a:t>
             </a:r>
-            <a:endParaRPr lang="en-US" altLang="ko-KR" sz="1400" spc="-20" dirty="0">
+            <a:endParaRPr lang="en-US" altLang="ko-KR" sz="1600" spc="-20" dirty="0">
               <a:gradFill>
                 <a:gsLst>
                   <a:gs pos="0">
@@ -6638,7 +6638,7 @@
           </a:p>
           <a:p>
             <a:r>
-              <a:rPr lang="en-US" altLang="ko-KR" sz="1400" spc="-20" dirty="0">
+              <a:rPr lang="en-US" altLang="ko-KR" sz="1600" spc="-20" dirty="0">
                 <a:gradFill>
                   <a:gsLst>
                     <a:gs pos="0">
@@ -6656,7 +6656,7 @@
               <a:t>Mat frame; </a:t>
             </a:r>
             <a:r>
-              <a:rPr lang="ko-KR" altLang="en-US" sz="1400" spc="-20" dirty="0">
+              <a:rPr lang="ko-KR" altLang="en-US" sz="1600" spc="-20" dirty="0">
                 <a:gradFill>
                   <a:gsLst>
                     <a:gs pos="0">
@@ -6673,7 +6673,7 @@
               </a:rPr>
               <a:t>으로 영상 띄움</a:t>
             </a:r>
-            <a:endParaRPr lang="en-US" altLang="ko-KR" sz="1400" b="1" spc="-80" dirty="0">
+            <a:endParaRPr lang="en-US" altLang="ko-KR" sz="1600" b="1" spc="-80" dirty="0">
               <a:solidFill>
                 <a:srgbClr val="FF873C"/>
               </a:solidFill>
@@ -6682,7 +6682,7 @@
             </a:endParaRPr>
           </a:p>
           <a:p>
-            <a:endParaRPr lang="en-US" altLang="ko-KR" sz="1400" b="1" spc="-80" dirty="0">
+            <a:endParaRPr lang="en-US" altLang="ko-KR" sz="1600" b="1" spc="-80" dirty="0">
               <a:solidFill>
                 <a:srgbClr val="FF873C"/>
               </a:solidFill>
@@ -6692,7 +6692,7 @@
           </a:p>
           <a:p>
             <a:r>
-              <a:rPr lang="en-US" altLang="ko-KR" sz="1400" b="1" spc="-80" dirty="0">
+              <a:rPr lang="en-US" altLang="ko-KR" sz="1600" b="1" spc="-80" dirty="0">
                 <a:solidFill>
                   <a:srgbClr val="FF873C"/>
                 </a:solidFill>
@@ -6702,7 +6702,7 @@
               <a:t>2. 30</a:t>
             </a:r>
             <a:r>
-              <a:rPr lang="ko-KR" altLang="en-US" sz="1400" b="1" spc="-80" dirty="0">
+              <a:rPr lang="ko-KR" altLang="en-US" sz="1600" b="1" spc="-80" dirty="0">
                 <a:solidFill>
                   <a:srgbClr val="FF873C"/>
                 </a:solidFill>
@@ -6711,7 +6711,7 @@
               </a:rPr>
               <a:t>분 주기로 영상 분할 저장</a:t>
             </a:r>
-            <a:endParaRPr lang="en-US" altLang="ko-KR" sz="1400" b="1" spc="-80" dirty="0">
+            <a:endParaRPr lang="en-US" altLang="ko-KR" sz="1600" b="1" spc="-80" dirty="0">
               <a:solidFill>
                 <a:srgbClr val="FF873C"/>
               </a:solidFill>
@@ -6721,7 +6721,7 @@
           </a:p>
           <a:p>
             <a:r>
-              <a:rPr lang="ko-KR" altLang="en-US" sz="1400" spc="-20" dirty="0">
+              <a:rPr lang="ko-KR" altLang="en-US" sz="1600" spc="-20" dirty="0">
                 <a:gradFill>
                   <a:gsLst>
                     <a:gs pos="0">
@@ -6738,7 +6738,7 @@
               </a:rPr>
               <a:t>촬영 시작 시각과 영상 촬영이 진행됨에 따라 변하는 시간으로 시간 계산</a:t>
             </a:r>
-            <a:endParaRPr lang="en-US" altLang="ko-KR" sz="1400" spc="-20" dirty="0">
+            <a:endParaRPr lang="en-US" altLang="ko-KR" sz="1600" spc="-20" dirty="0">
               <a:gradFill>
                 <a:gsLst>
                   <a:gs pos="0">
@@ -6761,7 +6761,7 @@
               </a:lnSpc>
             </a:pPr>
             <a:r>
-              <a:rPr lang="en-US" altLang="ko-KR" sz="1400" spc="-20" dirty="0" err="1">
+              <a:rPr lang="en-US" altLang="ko-KR" sz="1600" spc="-20" dirty="0" err="1">
                 <a:gradFill>
                   <a:gsLst>
                     <a:gs pos="0">
@@ -6779,7 +6779,7 @@
               <a:t>VideoWriter</a:t>
             </a:r>
             <a:r>
-              <a:rPr lang="en-US" altLang="ko-KR" sz="1400" spc="-20" dirty="0">
+              <a:rPr lang="en-US" altLang="ko-KR" sz="1600" spc="-20" dirty="0">
                 <a:gradFill>
                   <a:gsLst>
                     <a:gs pos="0">
@@ -6797,7 +6797,7 @@
               <a:t> </a:t>
             </a:r>
             <a:r>
-              <a:rPr lang="ko-KR" altLang="en-US" sz="1400" spc="-20" dirty="0">
+              <a:rPr lang="ko-KR" altLang="en-US" sz="1600" spc="-20" dirty="0">
                 <a:gradFill>
                   <a:gsLst>
                     <a:gs pos="0">
@@ -6814,7 +6814,7 @@
               </a:rPr>
               <a:t>함수로 비디오 저장</a:t>
             </a:r>
-            <a:endParaRPr lang="en-US" altLang="ko-KR" sz="1400" spc="-20" dirty="0">
+            <a:endParaRPr lang="en-US" altLang="ko-KR" sz="1600" spc="-20" dirty="0">
               <a:gradFill>
                 <a:gsLst>
                   <a:gs pos="0">
@@ -6837,7 +6837,7 @@
               </a:lnSpc>
             </a:pPr>
             <a:r>
-              <a:rPr lang="ko-KR" altLang="en-US" sz="1400" spc="-20" dirty="0">
+              <a:rPr lang="ko-KR" altLang="en-US" sz="1600" spc="-20" dirty="0">
                 <a:gradFill>
                   <a:gsLst>
                     <a:gs pos="0">
@@ -6855,7 +6855,7 @@
               <a:t>비디오 이름은 촬영시작 시간으로 저장</a:t>
             </a:r>
             <a:r>
-              <a:rPr lang="en-US" altLang="ko-KR" sz="1400" spc="-20" dirty="0">
+              <a:rPr lang="en-US" altLang="ko-KR" sz="1600" spc="-20" dirty="0">
                 <a:gradFill>
                   <a:gsLst>
                     <a:gs pos="0">
@@ -6879,7 +6879,7 @@
                 <a:spcPct val="114000"/>
               </a:lnSpc>
             </a:pPr>
-            <a:endParaRPr lang="en-US" altLang="ko-KR" sz="1400" spc="-20" dirty="0">
+            <a:endParaRPr lang="en-US" altLang="ko-KR" sz="1600" spc="-20" dirty="0">
               <a:gradFill>
                 <a:gsLst>
                   <a:gs pos="0">
@@ -6897,7 +6897,7 @@
           </a:p>
           <a:p>
             <a:r>
-              <a:rPr lang="en-US" altLang="ko-KR" sz="1400" b="1" spc="-80" dirty="0">
+              <a:rPr lang="en-US" altLang="ko-KR" sz="1600" b="1" spc="-80" dirty="0">
                 <a:solidFill>
                   <a:srgbClr val="FF873C"/>
                 </a:solidFill>
@@ -6907,7 +6907,7 @@
               <a:t>3 . </a:t>
             </a:r>
             <a:r>
-              <a:rPr lang="ko-KR" altLang="en-US" sz="1400" b="1" spc="-80" dirty="0">
+              <a:rPr lang="ko-KR" altLang="en-US" sz="1600" b="1" spc="-80" dirty="0">
                 <a:solidFill>
                   <a:srgbClr val="FF873C"/>
                 </a:solidFill>
@@ -6917,7 +6917,7 @@
               <a:t>영상에 현재 시간 </a:t>
             </a:r>
             <a:r>
-              <a:rPr lang="en-US" altLang="ko-KR" sz="1400" b="1" spc="-80" dirty="0">
+              <a:rPr lang="en-US" altLang="ko-KR" sz="1600" b="1" spc="-80" dirty="0">
                 <a:solidFill>
                   <a:srgbClr val="FF873C"/>
                 </a:solidFill>
@@ -6929,7 +6929,7 @@
           </a:p>
           <a:p>
             <a:r>
-              <a:rPr lang="en-US" altLang="ko-KR" sz="1400" spc="-20" dirty="0" err="1">
+              <a:rPr lang="en-US" altLang="ko-KR" sz="1600" spc="-20" dirty="0" err="1">
                 <a:gradFill>
                   <a:gsLst>
                     <a:gs pos="0">
@@ -6947,7 +6947,7 @@
               <a:t>putText</a:t>
             </a:r>
             <a:r>
-              <a:rPr lang="en-US" altLang="ko-KR" sz="1400" spc="-20" dirty="0">
+              <a:rPr lang="en-US" altLang="ko-KR" sz="1600" spc="-20" dirty="0">
                 <a:gradFill>
                   <a:gsLst>
                     <a:gs pos="0">
@@ -6965,7 +6965,7 @@
               <a:t> </a:t>
             </a:r>
             <a:r>
-              <a:rPr lang="ko-KR" altLang="en-US" sz="1400" spc="-20" dirty="0">
+              <a:rPr lang="ko-KR" altLang="en-US" sz="1600" spc="-20" dirty="0">
                 <a:gradFill>
                   <a:gsLst>
                     <a:gs pos="0">
@@ -6983,7 +6983,7 @@
               <a:t>함수 이용 현재 시간을 화면</a:t>
             </a:r>
             <a:r>
-              <a:rPr lang="en-US" altLang="ko-KR" sz="1400" spc="-20" dirty="0">
+              <a:rPr lang="en-US" altLang="ko-KR" sz="1600" spc="-20" dirty="0">
                 <a:gradFill>
                   <a:gsLst>
                     <a:gs pos="0">
@@ -7001,7 +7001,7 @@
               <a:t>(frame)</a:t>
             </a:r>
             <a:r>
-              <a:rPr lang="ko-KR" altLang="en-US" sz="1400" spc="-20" dirty="0">
+              <a:rPr lang="ko-KR" altLang="en-US" sz="1600" spc="-20" dirty="0">
                 <a:gradFill>
                   <a:gsLst>
                     <a:gs pos="0">
@@ -7018,7 +7018,7 @@
               </a:rPr>
               <a:t>에 띄움</a:t>
             </a:r>
-            <a:endParaRPr lang="en-US" altLang="ko-KR" sz="1400" spc="-20" dirty="0">
+            <a:endParaRPr lang="en-US" altLang="ko-KR" sz="1600" spc="-20" dirty="0">
               <a:gradFill>
                 <a:gsLst>
                   <a:gs pos="0">
@@ -7040,7 +7040,7 @@
                 <a:spcPct val="114000"/>
               </a:lnSpc>
             </a:pPr>
-            <a:endParaRPr lang="en-US" altLang="ko-KR" sz="1400" spc="-20" dirty="0">
+            <a:endParaRPr lang="en-US" altLang="ko-KR" sz="1600" spc="-20" dirty="0">
               <a:gradFill>
                 <a:gsLst>
                   <a:gs pos="0">
@@ -7063,7 +7063,7 @@
               </a:lnSpc>
             </a:pPr>
             <a:r>
-              <a:rPr lang="en-US" altLang="ko-KR" sz="1400" b="1" spc="-80" dirty="0">
+              <a:rPr lang="en-US" altLang="ko-KR" sz="1600" b="1" spc="-80" dirty="0">
                 <a:solidFill>
                   <a:srgbClr val="FF873C"/>
                 </a:solidFill>
@@ -7073,7 +7073,7 @@
               <a:t>4.</a:t>
             </a:r>
             <a:r>
-              <a:rPr lang="ko-KR" altLang="en-US" sz="1400" b="1" spc="-80" dirty="0">
+              <a:rPr lang="ko-KR" altLang="en-US" sz="1600" b="1" spc="-80" dirty="0">
                 <a:solidFill>
                   <a:srgbClr val="FF873C"/>
                 </a:solidFill>
@@ -7082,7 +7082,7 @@
               </a:rPr>
               <a:t> 과거 영상 제거</a:t>
             </a:r>
-            <a:endParaRPr lang="en-US" altLang="ko-KR" sz="1400" b="1" spc="-80" dirty="0">
+            <a:endParaRPr lang="en-US" altLang="ko-KR" sz="1600" b="1" spc="-80" dirty="0">
               <a:solidFill>
                 <a:srgbClr val="FF873C"/>
               </a:solidFill>
@@ -7097,7 +7097,7 @@
               </a:lnSpc>
             </a:pPr>
             <a:r>
-              <a:rPr lang="ko-KR" altLang="en-US" sz="1400" spc="-20" dirty="0">
+              <a:rPr lang="ko-KR" altLang="en-US" sz="1600" spc="-20" dirty="0">
                 <a:gradFill>
                   <a:gsLst>
                     <a:gs pos="0">
@@ -7115,7 +7115,7 @@
               <a:t>현재 저장된 파일의 개수와 목록</a:t>
             </a:r>
             <a:r>
-              <a:rPr lang="en-US" altLang="ko-KR" sz="1400" spc="-20" dirty="0">
+              <a:rPr lang="en-US" altLang="ko-KR" sz="1600" spc="-20" dirty="0">
                 <a:gradFill>
                   <a:gsLst>
                     <a:gs pos="0">
@@ -7133,7 +7133,7 @@
               <a:t>(</a:t>
             </a:r>
             <a:r>
-              <a:rPr lang="ko-KR" altLang="en-US" sz="1400" spc="-20" dirty="0">
+              <a:rPr lang="ko-KR" altLang="en-US" sz="1600" spc="-20" dirty="0">
                 <a:gradFill>
                   <a:gsLst>
                     <a:gs pos="0">
@@ -7151,7 +7151,7 @@
               <a:t>이름을 읽어서 원하는 개수로 조절</a:t>
             </a:r>
             <a:r>
-              <a:rPr lang="en-US" altLang="ko-KR" sz="1400" spc="-20" dirty="0">
+              <a:rPr lang="en-US" altLang="ko-KR" sz="1600" spc="-20" dirty="0">
                 <a:gradFill>
                   <a:gsLst>
                     <a:gs pos="0">
@@ -7176,7 +7176,7 @@
               </a:lnSpc>
             </a:pPr>
             <a:r>
-              <a:rPr lang="en-US" altLang="ko-KR" sz="1400" spc="-20" dirty="0">
+              <a:rPr lang="en-US" altLang="ko-KR" sz="1600" spc="-20" dirty="0">
                 <a:gradFill>
                   <a:gsLst>
                     <a:gs pos="0">
@@ -7194,7 +7194,7 @@
               <a:t>Remove </a:t>
             </a:r>
             <a:r>
-              <a:rPr lang="ko-KR" altLang="en-US" sz="1400" spc="-20" dirty="0">
+              <a:rPr lang="ko-KR" altLang="en-US" sz="1600" spc="-20" dirty="0">
                 <a:gradFill>
                   <a:gsLst>
                     <a:gs pos="0">
@@ -7212,7 +7212,7 @@
               <a:t>함수 이용 파일 삭제</a:t>
             </a:r>
             <a:r>
-              <a:rPr lang="en-US" altLang="ko-KR" sz="1400" spc="-20" dirty="0">
+              <a:rPr lang="en-US" altLang="ko-KR" sz="1600" spc="-20" dirty="0">
                 <a:gradFill>
                   <a:gsLst>
                     <a:gs pos="0">
@@ -7229,7 +7229,7 @@
               </a:rPr>
               <a:t>.</a:t>
             </a:r>
-            <a:endParaRPr lang="en-US" altLang="ko-KR" sz="1400" b="1" spc="-80" dirty="0">
+            <a:endParaRPr lang="en-US" altLang="ko-KR" sz="1600" b="1" spc="-80" dirty="0">
               <a:solidFill>
                 <a:srgbClr val="FF873C"/>
               </a:solidFill>
@@ -7243,7 +7243,7 @@
                 <a:spcPct val="114000"/>
               </a:lnSpc>
             </a:pPr>
-            <a:endParaRPr lang="en-US" altLang="ko-KR" sz="1400" spc="-20" dirty="0">
+            <a:endParaRPr lang="en-US" altLang="ko-KR" sz="1600" spc="-20" dirty="0">
               <a:gradFill>
                 <a:gsLst>
                   <a:gs pos="0">
@@ -7265,7 +7265,7 @@
                 <a:spcPct val="114000"/>
               </a:lnSpc>
             </a:pPr>
-            <a:endParaRPr lang="en-US" altLang="ko-KR" sz="1400" spc="-20" dirty="0">
+            <a:endParaRPr lang="en-US" altLang="ko-KR" sz="1600" spc="-20" dirty="0">
               <a:gradFill>
                 <a:gsLst>
                   <a:gs pos="0">
@@ -8247,7 +8247,7 @@
         <p:spPr>
           <a:xfrm>
             <a:off x="2147540" y="1772816"/>
-            <a:ext cx="6187852" cy="2251963"/>
+            <a:ext cx="6187852" cy="3159326"/>
           </a:xfrm>
           <a:prstGeom prst="rect">
             <a:avLst/>
@@ -8265,7 +8265,7 @@
                 <a:spcPct val="114000"/>
               </a:lnSpc>
             </a:pPr>
-            <a:endParaRPr lang="en-US" altLang="ko-KR" sz="1200" b="1" spc="-20" dirty="0">
+            <a:endParaRPr lang="en-US" altLang="ko-KR" sz="1600" b="1" spc="-20" dirty="0">
               <a:gradFill>
                 <a:gsLst>
                   <a:gs pos="0">
@@ -8290,7 +8290,7 @@
               <a:buChar char="•"/>
             </a:pPr>
             <a:r>
-              <a:rPr lang="ko-KR" altLang="en-US" sz="1200" spc="-20" dirty="0">
+              <a:rPr lang="ko-KR" altLang="en-US" sz="1600" spc="-20" dirty="0">
                 <a:solidFill>
                   <a:schemeClr val="accent6">
                     <a:lumMod val="60000"/>
@@ -8303,7 +8303,7 @@
               <a:t>센서 감지</a:t>
             </a:r>
             <a:r>
-              <a:rPr lang="en-US" altLang="ko-KR" sz="1200" spc="-20" dirty="0">
+              <a:rPr lang="en-US" altLang="ko-KR" sz="1600" spc="-20" dirty="0">
                 <a:solidFill>
                   <a:schemeClr val="accent6">
                     <a:lumMod val="60000"/>
@@ -8316,7 +8316,7 @@
               <a:t>, </a:t>
             </a:r>
             <a:r>
-              <a:rPr lang="ko-KR" altLang="en-US" sz="1200" spc="-20" dirty="0">
+              <a:rPr lang="ko-KR" altLang="en-US" sz="1600" spc="-20" dirty="0">
                 <a:solidFill>
                   <a:schemeClr val="accent6">
                     <a:lumMod val="60000"/>
@@ -8328,7 +8328,7 @@
               </a:rPr>
               <a:t>자동 녹화 시작</a:t>
             </a:r>
-            <a:endParaRPr lang="en-US" altLang="ko-KR" sz="1200" spc="-20" dirty="0">
+            <a:endParaRPr lang="en-US" altLang="ko-KR" sz="1600" spc="-20" dirty="0">
               <a:solidFill>
                 <a:schemeClr val="accent6">
                   <a:lumMod val="60000"/>
@@ -8346,7 +8346,7 @@
               </a:lnSpc>
             </a:pPr>
             <a:r>
-              <a:rPr lang="en-US" altLang="ko-KR" sz="1200" spc="-20" dirty="0">
+              <a:rPr lang="en-US" altLang="ko-KR" sz="1600" spc="-20" dirty="0">
                 <a:gradFill>
                   <a:gsLst>
                     <a:gs pos="0">
@@ -8364,7 +8364,7 @@
               <a:t>     </a:t>
             </a:r>
             <a:r>
-              <a:rPr lang="ko-KR" altLang="en-US" sz="1200" spc="-20" dirty="0">
+              <a:rPr lang="ko-KR" altLang="en-US" sz="1600" spc="-20" dirty="0">
                 <a:gradFill>
                   <a:gsLst>
                     <a:gs pos="0">
@@ -8381,7 +8381,7 @@
               </a:rPr>
               <a:t>센서를 감지해 움직임이 있을 때 자동으로 촬영을 시작하는 기능</a:t>
             </a:r>
-            <a:endParaRPr lang="en-US" altLang="ko-KR" sz="1200" spc="-20" dirty="0">
+            <a:endParaRPr lang="en-US" altLang="ko-KR" sz="1600" spc="-20" dirty="0">
               <a:gradFill>
                 <a:gsLst>
                   <a:gs pos="0">
@@ -8403,7 +8403,7 @@
                 <a:spcPct val="114000"/>
               </a:lnSpc>
             </a:pPr>
-            <a:endParaRPr lang="en-US" altLang="ko-KR" sz="800" spc="-20" dirty="0">
+            <a:endParaRPr lang="en-US" altLang="ko-KR" sz="1600" spc="-20" dirty="0">
               <a:gradFill>
                 <a:gsLst>
                   <a:gs pos="0">
@@ -8428,7 +8428,7 @@
               <a:buChar char="•"/>
             </a:pPr>
             <a:r>
-              <a:rPr lang="ko-KR" altLang="en-US" sz="1200" spc="-20" dirty="0">
+              <a:rPr lang="ko-KR" altLang="en-US" sz="1600" spc="-20" dirty="0">
                 <a:solidFill>
                   <a:schemeClr val="accent6">
                     <a:lumMod val="60000"/>
@@ -8440,7 +8440,7 @@
               </a:rPr>
               <a:t>동영상 용량 크기 최적화 하기</a:t>
             </a:r>
-            <a:endParaRPr lang="en-US" altLang="ko-KR" sz="1200" spc="-20" dirty="0">
+            <a:endParaRPr lang="en-US" altLang="ko-KR" sz="1600" spc="-20" dirty="0">
               <a:solidFill>
                 <a:schemeClr val="accent6">
                   <a:lumMod val="60000"/>
@@ -8458,7 +8458,7 @@
               </a:lnSpc>
             </a:pPr>
             <a:r>
-              <a:rPr lang="en-US" altLang="ko-KR" sz="1200" spc="-20" dirty="0">
+              <a:rPr lang="en-US" altLang="ko-KR" sz="1600" spc="-20" dirty="0">
                 <a:gradFill>
                   <a:gsLst>
                     <a:gs pos="0">
@@ -8476,7 +8476,7 @@
               <a:t>     </a:t>
             </a:r>
             <a:r>
-              <a:rPr lang="ko-KR" altLang="en-US" sz="1200" spc="-20" dirty="0">
+              <a:rPr lang="ko-KR" altLang="en-US" sz="1600" spc="-20" dirty="0">
                 <a:gradFill>
                   <a:gsLst>
                     <a:gs pos="0">
@@ -8494,7 +8494,7 @@
               <a:t>확장자</a:t>
             </a:r>
             <a:r>
-              <a:rPr lang="en-US" altLang="ko-KR" sz="1200" spc="-20" dirty="0">
+              <a:rPr lang="en-US" altLang="ko-KR" sz="1600" spc="-20" dirty="0">
                 <a:gradFill>
                   <a:gsLst>
                     <a:gs pos="0">
@@ -8512,7 +8512,7 @@
               <a:t>,</a:t>
             </a:r>
             <a:r>
-              <a:rPr lang="ko-KR" altLang="en-US" sz="1200" spc="-20" dirty="0">
+              <a:rPr lang="ko-KR" altLang="en-US" sz="1600" spc="-20" dirty="0">
                 <a:gradFill>
                   <a:gsLst>
                     <a:gs pos="0">
@@ -8530,7 +8530,7 @@
               <a:t>코덱 등</a:t>
             </a:r>
             <a:r>
-              <a:rPr lang="en-US" altLang="ko-KR" sz="1200" spc="-20" dirty="0">
+              <a:rPr lang="en-US" altLang="ko-KR" sz="1600" spc="-20" dirty="0">
                 <a:gradFill>
                   <a:gsLst>
                     <a:gs pos="0">
@@ -8548,7 +8548,7 @@
               <a:t>. </a:t>
             </a:r>
             <a:r>
-              <a:rPr lang="ko-KR" altLang="en-US" sz="1200" spc="-20" dirty="0">
+              <a:rPr lang="ko-KR" altLang="en-US" sz="1600" spc="-20" dirty="0">
                 <a:gradFill>
                   <a:gsLst>
                     <a:gs pos="0">
@@ -8565,7 +8565,7 @@
               </a:rPr>
               <a:t>적절한 용량크기로 저장하기</a:t>
             </a:r>
-            <a:endParaRPr lang="en-US" altLang="ko-KR" sz="1200" spc="-20" dirty="0">
+            <a:endParaRPr lang="en-US" altLang="ko-KR" sz="1600" spc="-20" dirty="0">
               <a:gradFill>
                 <a:gsLst>
                   <a:gs pos="0">
@@ -8587,7 +8587,7 @@
                 <a:spcPct val="114000"/>
               </a:lnSpc>
             </a:pPr>
-            <a:endParaRPr lang="en-US" altLang="ko-KR" sz="800" spc="-20" dirty="0">
+            <a:endParaRPr lang="en-US" altLang="ko-KR" sz="1600" spc="-20" dirty="0">
               <a:gradFill>
                 <a:gsLst>
                   <a:gs pos="0">
@@ -8612,7 +8612,7 @@
               <a:buChar char="•"/>
             </a:pPr>
             <a:r>
-              <a:rPr lang="ko-KR" altLang="en-US" sz="1200" spc="-20" dirty="0">
+              <a:rPr lang="ko-KR" altLang="en-US" sz="1600" spc="-20" dirty="0">
                 <a:solidFill>
                   <a:schemeClr val="accent6">
                     <a:lumMod val="60000"/>
@@ -8624,7 +8624,7 @@
               </a:rPr>
               <a:t>소리 녹음 기능 추가</a:t>
             </a:r>
-            <a:endParaRPr lang="en-US" altLang="ko-KR" sz="1200" spc="-20" dirty="0">
+            <a:endParaRPr lang="en-US" altLang="ko-KR" sz="1600" spc="-20" dirty="0">
               <a:solidFill>
                 <a:schemeClr val="accent6">
                   <a:lumMod val="60000"/>
@@ -8642,7 +8642,7 @@
               </a:lnSpc>
             </a:pPr>
             <a:r>
-              <a:rPr lang="en-US" altLang="ko-KR" sz="1200" spc="-20" dirty="0">
+              <a:rPr lang="en-US" altLang="ko-KR" sz="1600" spc="-20" dirty="0">
                 <a:gradFill>
                   <a:gsLst>
                     <a:gs pos="0">
@@ -8666,7 +8666,7 @@
                 <a:spcPct val="114000"/>
               </a:lnSpc>
             </a:pPr>
-            <a:endParaRPr lang="en-US" altLang="ko-KR" sz="1200" spc="-20" dirty="0">
+            <a:endParaRPr lang="en-US" altLang="ko-KR" sz="1600" spc="-20" dirty="0">
               <a:gradFill>
                 <a:gsLst>
                   <a:gs pos="0">
@@ -8688,7 +8688,7 @@
                 <a:spcPct val="114000"/>
               </a:lnSpc>
             </a:pPr>
-            <a:endParaRPr lang="en-US" altLang="ko-KR" sz="1200" spc="-20" dirty="0">
+            <a:endParaRPr lang="en-US" altLang="ko-KR" sz="1600" spc="-20" dirty="0">
               <a:gradFill>
                 <a:gsLst>
                   <a:gs pos="0">
@@ -8888,8 +8888,8 @@
         </p:nvSpPr>
         <p:spPr>
           <a:xfrm>
-            <a:off x="2051720" y="825355"/>
-            <a:ext cx="6187852" cy="1971245"/>
+            <a:off x="1943708" y="1244948"/>
+            <a:ext cx="6187852" cy="3925690"/>
           </a:xfrm>
           <a:prstGeom prst="rect">
             <a:avLst/>
@@ -8907,18 +8907,7 @@
                 <a:spcPct val="114000"/>
               </a:lnSpc>
             </a:pPr>
-            <a:endParaRPr lang="en-US" altLang="ko-KR" sz="1200" b="1" spc="-20" dirty="0">
-              <a:gradFill>
-                <a:gsLst>
-                  <a:gs pos="0">
-                    <a:schemeClr val="bg1"/>
-                  </a:gs>
-                  <a:gs pos="100000">
-                    <a:schemeClr val="bg1"/>
-                  </a:gs>
-                </a:gsLst>
-                <a:lin ang="2700000" scaled="0"/>
-              </a:gradFill>
+            <a:endParaRPr lang="en-US" altLang="ko-KR" sz="2000" b="1" spc="-20" dirty="0">
               <a:latin typeface="나눔고딕" pitchFamily="50" charset="-127"/>
               <a:ea typeface="나눔고딕" pitchFamily="50" charset="-127"/>
             </a:endParaRPr>
@@ -8930,35 +8919,13 @@
               </a:lnSpc>
             </a:pPr>
             <a:r>
-              <a:rPr lang="ko-KR" altLang="en-US" sz="1200" b="1" spc="-20" dirty="0">
-                <a:gradFill>
-                  <a:gsLst>
-                    <a:gs pos="0">
-                      <a:schemeClr val="bg1"/>
-                    </a:gs>
-                    <a:gs pos="100000">
-                      <a:schemeClr val="bg1"/>
-                    </a:gs>
-                  </a:gsLst>
-                  <a:lin ang="2700000" scaled="0"/>
-                </a:gradFill>
+              <a:rPr lang="ko-KR" altLang="en-US" sz="2000" b="1" spc="-20" dirty="0">
                 <a:latin typeface="나눔고딕" pitchFamily="50" charset="-127"/>
                 <a:ea typeface="나눔고딕" pitchFamily="50" charset="-127"/>
               </a:rPr>
               <a:t>개발자 블로그 주소</a:t>
             </a:r>
-            <a:endParaRPr lang="en-US" altLang="ko-KR" sz="1200" b="1" spc="-20" dirty="0">
-              <a:gradFill>
-                <a:gsLst>
-                  <a:gs pos="0">
-                    <a:schemeClr val="bg1"/>
-                  </a:gs>
-                  <a:gs pos="100000">
-                    <a:schemeClr val="bg1"/>
-                  </a:gs>
-                </a:gsLst>
-                <a:lin ang="2700000" scaled="0"/>
-              </a:gradFill>
+            <a:endParaRPr lang="en-US" altLang="ko-KR" sz="2000" b="1" spc="-20" dirty="0">
               <a:latin typeface="나눔고딕" pitchFamily="50" charset="-127"/>
               <a:ea typeface="나눔고딕" pitchFamily="50" charset="-127"/>
             </a:endParaRPr>
@@ -8970,12 +8937,16 @@
               </a:lnSpc>
             </a:pPr>
             <a:r>
-              <a:rPr lang="en-US" altLang="ko-KR" sz="1200" dirty="0">
-                <a:hlinkClick r:id="rId2"/>
-              </a:rPr>
-              <a:t>https://94kimseongjun.tistory.com/105</a:t>
-            </a:r>
-            <a:endParaRPr lang="en-US" altLang="ko-KR" sz="1200" dirty="0"/>
+              <a:rPr lang="en-US" altLang="ko-KR" sz="2000" dirty="0"/>
+              <a:t>https://94kimseongjun.tistory.com/106</a:t>
+            </a:r>
+            <a:r>
+              <a:rPr lang="en-US" altLang="ko-KR" sz="2000" spc="-20" dirty="0">
+                <a:latin typeface="나눔고딕" pitchFamily="50" charset="-127"/>
+                <a:ea typeface="나눔고딕" pitchFamily="50" charset="-127"/>
+              </a:rPr>
+              <a:t> </a:t>
+            </a:r>
           </a:p>
           <a:p>
             <a:pPr>
@@ -8983,24 +8954,10 @@
                 <a:spcPct val="114000"/>
               </a:lnSpc>
             </a:pPr>
-            <a:r>
-              <a:rPr lang="en-US" altLang="ko-KR" sz="1200" spc="-20" dirty="0">
-                <a:gradFill>
-                  <a:gsLst>
-                    <a:gs pos="0">
-                      <a:schemeClr val="bg1"/>
-                    </a:gs>
-                    <a:gs pos="100000">
-                      <a:schemeClr val="bg1"/>
-                    </a:gs>
-                  </a:gsLst>
-                  <a:lin ang="2700000" scaled="0"/>
-                </a:gradFill>
-                <a:latin typeface="나눔고딕" pitchFamily="50" charset="-127"/>
-                <a:ea typeface="나눔고딕" pitchFamily="50" charset="-127"/>
-              </a:rPr>
-              <a:t>    </a:t>
-            </a:r>
+            <a:endParaRPr lang="en-US" altLang="ko-KR" sz="2000" spc="-20" dirty="0">
+              <a:latin typeface="나눔고딕" pitchFamily="50" charset="-127"/>
+              <a:ea typeface="나눔고딕" pitchFamily="50" charset="-127"/>
+            </a:endParaRPr>
           </a:p>
           <a:p>
             <a:pPr>
@@ -9009,56 +8966,12 @@
               </a:lnSpc>
             </a:pPr>
             <a:r>
-              <a:rPr lang="ko-KR" altLang="en-US" sz="1200" spc="-20" dirty="0" err="1">
-                <a:gradFill>
-                  <a:gsLst>
-                    <a:gs pos="0">
-                      <a:schemeClr val="bg1"/>
-                    </a:gs>
-                    <a:gs pos="100000">
-                      <a:schemeClr val="bg1"/>
-                    </a:gs>
-                  </a:gsLst>
-                  <a:lin ang="2700000" scaled="0"/>
-                </a:gradFill>
-                <a:latin typeface="나눔고딕" pitchFamily="50" charset="-127"/>
-                <a:ea typeface="나눔고딕" pitchFamily="50" charset="-127"/>
-              </a:rPr>
-              <a:t>깃허브</a:t>
-            </a:r>
-            <a:r>
-              <a:rPr lang="ko-KR" altLang="en-US" sz="1200" spc="-20" dirty="0">
-                <a:gradFill>
-                  <a:gsLst>
-                    <a:gs pos="0">
-                      <a:schemeClr val="bg1"/>
-                    </a:gs>
-                    <a:gs pos="100000">
-                      <a:schemeClr val="bg1"/>
-                    </a:gs>
-                  </a:gsLst>
-                  <a:lin ang="2700000" scaled="0"/>
-                </a:gradFill>
-                <a:latin typeface="나눔고딕" pitchFamily="50" charset="-127"/>
-                <a:ea typeface="나눔고딕" pitchFamily="50" charset="-127"/>
-              </a:rPr>
-              <a:t> 주소</a:t>
-            </a:r>
-            <a:endParaRPr lang="en-US" altLang="ko-KR" sz="1200" spc="-20" dirty="0">
-              <a:gradFill>
-                <a:gsLst>
-                  <a:gs pos="0">
-                    <a:schemeClr val="bg1"/>
-                  </a:gs>
-                  <a:gs pos="100000">
-                    <a:schemeClr val="bg1"/>
-                  </a:gs>
-                </a:gsLst>
-                <a:lin ang="2700000" scaled="0"/>
-              </a:gradFill>
-              <a:latin typeface="나눔고딕" pitchFamily="50" charset="-127"/>
-              <a:ea typeface="나눔고딕" pitchFamily="50" charset="-127"/>
-            </a:endParaRPr>
+              <a:rPr lang="en-US" altLang="ko-KR" sz="2000" spc="-20" dirty="0">
+                <a:latin typeface="나눔고딕" pitchFamily="50" charset="-127"/>
+                <a:ea typeface="나눔고딕" pitchFamily="50" charset="-127"/>
+              </a:rPr>
+              <a:t>   </a:t>
+            </a:r>
           </a:p>
           <a:p>
             <a:pPr>
@@ -9066,18 +8979,21 @@
                 <a:spcPct val="114000"/>
               </a:lnSpc>
             </a:pPr>
-            <a:endParaRPr lang="en-US" altLang="ko-KR" sz="1200" spc="-20" dirty="0">
-              <a:gradFill>
-                <a:gsLst>
-                  <a:gs pos="0">
-                    <a:schemeClr val="bg1"/>
-                  </a:gs>
-                  <a:gs pos="100000">
-                    <a:schemeClr val="bg1"/>
-                  </a:gs>
-                </a:gsLst>
-                <a:lin ang="2700000" scaled="0"/>
-              </a:gradFill>
+            <a:r>
+              <a:rPr lang="ko-KR" altLang="en-US" sz="2000" b="1" spc="-20" dirty="0" err="1">
+                <a:latin typeface="나눔고딕" pitchFamily="50" charset="-127"/>
+                <a:ea typeface="나눔고딕" pitchFamily="50" charset="-127"/>
+              </a:rPr>
+              <a:t>깃허브</a:t>
+            </a:r>
+            <a:r>
+              <a:rPr lang="ko-KR" altLang="en-US" sz="2000" b="1" spc="-20" dirty="0">
+                <a:latin typeface="나눔고딕" pitchFamily="50" charset="-127"/>
+                <a:ea typeface="나눔고딕" pitchFamily="50" charset="-127"/>
+              </a:rPr>
+              <a:t> 주소</a:t>
+            </a:r>
+            <a:endParaRPr lang="en-US" altLang="ko-KR" sz="2000" b="1" spc="-20" dirty="0">
               <a:latin typeface="나눔고딕" pitchFamily="50" charset="-127"/>
               <a:ea typeface="나눔고딕" pitchFamily="50" charset="-127"/>
             </a:endParaRPr>
@@ -9088,21 +9004,13 @@
                 <a:spcPct val="114000"/>
               </a:lnSpc>
             </a:pPr>
-            <a:endParaRPr lang="en-US" altLang="ko-KR" sz="1200" spc="-20" dirty="0">
-              <a:gradFill>
-                <a:gsLst>
-                  <a:gs pos="0">
-                    <a:schemeClr val="bg1"/>
-                  </a:gs>
-                  <a:gs pos="100000">
-                    <a:schemeClr val="bg1"/>
-                  </a:gs>
-                </a:gsLst>
-                <a:lin ang="2700000" scaled="0"/>
-              </a:gradFill>
-              <a:latin typeface="나눔고딕" pitchFamily="50" charset="-127"/>
-              <a:ea typeface="나눔고딕" pitchFamily="50" charset="-127"/>
-            </a:endParaRPr>
+            <a:r>
+              <a:rPr lang="en-US" altLang="ko-KR" sz="2000" spc="-20" dirty="0">
+                <a:latin typeface="나눔고딕" pitchFamily="50" charset="-127"/>
+                <a:ea typeface="나눔고딕" pitchFamily="50" charset="-127"/>
+              </a:rPr>
+              <a:t>https://github.com/94Kimseongjun/DashCam.git</a:t>
+            </a:r>
           </a:p>
           <a:p>
             <a:pPr>
@@ -9110,18 +9018,29 @@
                 <a:spcPct val="114000"/>
               </a:lnSpc>
             </a:pPr>
-            <a:endParaRPr lang="en-US" altLang="ko-KR" sz="1200" spc="-20" dirty="0">
-              <a:gradFill>
-                <a:gsLst>
-                  <a:gs pos="0">
-                    <a:schemeClr val="bg1"/>
-                  </a:gs>
-                  <a:gs pos="100000">
-                    <a:schemeClr val="bg1"/>
-                  </a:gs>
-                </a:gsLst>
-                <a:lin ang="2700000" scaled="0"/>
-              </a:gradFill>
+            <a:endParaRPr lang="en-US" altLang="ko-KR" sz="2000" spc="-20" dirty="0">
+              <a:latin typeface="나눔고딕" pitchFamily="50" charset="-127"/>
+              <a:ea typeface="나눔고딕" pitchFamily="50" charset="-127"/>
+            </a:endParaRPr>
+          </a:p>
+          <a:p>
+            <a:pPr>
+              <a:lnSpc>
+                <a:spcPct val="114000"/>
+              </a:lnSpc>
+            </a:pPr>
+            <a:endParaRPr lang="en-US" altLang="ko-KR" sz="2000" spc="-20" dirty="0">
+              <a:latin typeface="나눔고딕" pitchFamily="50" charset="-127"/>
+              <a:ea typeface="나눔고딕" pitchFamily="50" charset="-127"/>
+            </a:endParaRPr>
+          </a:p>
+          <a:p>
+            <a:pPr>
+              <a:lnSpc>
+                <a:spcPct val="114000"/>
+              </a:lnSpc>
+            </a:pPr>
+            <a:endParaRPr lang="en-US" altLang="ko-KR" sz="2000" spc="-20" dirty="0">
               <a:latin typeface="나눔고딕" pitchFamily="50" charset="-127"/>
               <a:ea typeface="나눔고딕" pitchFamily="50" charset="-127"/>
             </a:endParaRPr>
@@ -9132,18 +9051,7 @@
                 <a:spcPct val="114000"/>
               </a:lnSpc>
             </a:pPr>
-            <a:endParaRPr lang="en-US" altLang="ko-KR" sz="1200" spc="-20" dirty="0">
-              <a:gradFill>
-                <a:gsLst>
-                  <a:gs pos="0">
-                    <a:schemeClr val="bg1"/>
-                  </a:gs>
-                  <a:gs pos="100000">
-                    <a:schemeClr val="bg1"/>
-                  </a:gs>
-                </a:gsLst>
-                <a:lin ang="2700000" scaled="0"/>
-              </a:gradFill>
+            <a:endParaRPr lang="en-US" altLang="ko-KR" sz="2000" spc="-20" dirty="0">
               <a:latin typeface="나눔고딕" pitchFamily="50" charset="-127"/>
               <a:ea typeface="나눔고딕" pitchFamily="50" charset="-127"/>
             </a:endParaRPr>
